--- a/Midterm_Ridvan.pptx
+++ b/Midterm_Ridvan.pptx
@@ -256,7 +256,7 @@
           <a:p>
             <a:fld id="{DBAE3B3E-782A-9745-8E84-372F7B6771BF}" type="datetimeFigureOut">
               <a:rPr lang="en-US" smtClean="0"/>
-              <a:t>25-Oct-19</a:t>
+              <a:t>27-Oct-19</a:t>
             </a:fld>
             <a:endParaRPr lang="en-US" dirty="0"/>
           </a:p>
@@ -421,7 +421,7 @@
           <a:p>
             <a:fld id="{130FEF3C-7D8D-4089-BBD1-B34FFF622550}" type="datetimeFigureOut">
               <a:rPr lang="nl-NL" smtClean="0"/>
-              <a:t>25-10-2019</a:t>
+              <a:t>27-10-2019</a:t>
             </a:fld>
             <a:endParaRPr lang="nl-NL"/>
           </a:p>
@@ -3287,7 +3287,7 @@
           <a:p>
             <a:fld id="{462A2416-1570-3849-86F9-07F78746E1B2}" type="datetimeFigureOut">
               <a:rPr lang="en-US" smtClean="0"/>
-              <a:t>25-Oct-19</a:t>
+              <a:t>27-Oct-19</a:t>
             </a:fld>
             <a:endParaRPr lang="en-US" dirty="0"/>
           </a:p>
@@ -4899,14 +4899,165 @@
         </p:blipFill>
         <p:spPr>
           <a:xfrm>
-            <a:off x="2472953" y="863601"/>
-            <a:ext cx="5418425" cy="4279900"/>
+            <a:off x="2806123" y="844022"/>
+            <a:ext cx="5068678" cy="4003643"/>
           </a:xfrm>
           <a:prstGeom prst="rect">
             <a:avLst/>
           </a:prstGeom>
         </p:spPr>
       </p:pic>
+      <p:sp>
+        <p:nvSpPr>
+          <p:cNvPr id="3" name="TextBox 2">
+            <a:extLst>
+              <a:ext uri="{FF2B5EF4-FFF2-40B4-BE49-F238E27FC236}">
+                <a16:creationId xmlns:a16="http://schemas.microsoft.com/office/drawing/2014/main" id="{43882F5A-0C2C-4394-8B72-54B062143E2E}"/>
+              </a:ext>
+            </a:extLst>
+          </p:cNvPr>
+          <p:cNvSpPr txBox="1"/>
+          <p:nvPr/>
+        </p:nvSpPr>
+        <p:spPr>
+          <a:xfrm>
+            <a:off x="1864840" y="2485377"/>
+            <a:ext cx="941283" cy="369332"/>
+          </a:xfrm>
+          <a:prstGeom prst="rect">
+            <a:avLst/>
+          </a:prstGeom>
+          <a:noFill/>
+        </p:spPr>
+        <p:txBody>
+          <a:bodyPr wrap="none" rtlCol="0">
+            <a:spAutoFit/>
+          </a:bodyPr>
+          <a:lstStyle/>
+          <a:p>
+            <a:r>
+              <a:rPr lang="en-US" dirty="0"/>
+              <a:t>Degree</a:t>
+            </a:r>
+          </a:p>
+        </p:txBody>
+      </p:sp>
+      <p:sp>
+        <p:nvSpPr>
+          <p:cNvPr id="4" name="Rectangle 3">
+            <a:extLst>
+              <a:ext uri="{FF2B5EF4-FFF2-40B4-BE49-F238E27FC236}">
+                <a16:creationId xmlns:a16="http://schemas.microsoft.com/office/drawing/2014/main" id="{C37FCEA2-8870-4047-B918-D41D4820FB46}"/>
+              </a:ext>
+            </a:extLst>
+          </p:cNvPr>
+          <p:cNvSpPr/>
+          <p:nvPr/>
+        </p:nvSpPr>
+        <p:spPr>
+          <a:xfrm>
+            <a:off x="4666290" y="4752855"/>
+            <a:ext cx="1582484" cy="369332"/>
+          </a:xfrm>
+          <a:prstGeom prst="rect">
+            <a:avLst/>
+          </a:prstGeom>
+        </p:spPr>
+        <p:txBody>
+          <a:bodyPr wrap="none">
+            <a:spAutoFit/>
+          </a:bodyPr>
+          <a:lstStyle/>
+          <a:p>
+            <a:r>
+              <a:rPr lang="en-US" dirty="0"/>
+              <a:t>Knot intervals</a:t>
+            </a:r>
+          </a:p>
+        </p:txBody>
+      </p:sp>
+      <p:cxnSp>
+        <p:nvCxnSpPr>
+          <p:cNvPr id="6" name="Straight Arrow Connector 5">
+            <a:extLst>
+              <a:ext uri="{FF2B5EF4-FFF2-40B4-BE49-F238E27FC236}">
+                <a16:creationId xmlns:a16="http://schemas.microsoft.com/office/drawing/2014/main" id="{935FBC05-1065-421F-8FD7-30814AFC4220}"/>
+              </a:ext>
+            </a:extLst>
+          </p:cNvPr>
+          <p:cNvCxnSpPr>
+            <a:cxnSpLocks/>
+          </p:cNvCxnSpPr>
+          <p:nvPr/>
+        </p:nvCxnSpPr>
+        <p:spPr>
+          <a:xfrm>
+            <a:off x="2967488" y="2377679"/>
+            <a:ext cx="0" cy="584728"/>
+          </a:xfrm>
+          <a:prstGeom prst="straightConnector1">
+            <a:avLst/>
+          </a:prstGeom>
+          <a:ln>
+            <a:tailEnd type="triangle"/>
+          </a:ln>
+        </p:spPr>
+        <p:style>
+          <a:lnRef idx="2">
+            <a:schemeClr val="dk1"/>
+          </a:lnRef>
+          <a:fillRef idx="0">
+            <a:schemeClr val="dk1"/>
+          </a:fillRef>
+          <a:effectRef idx="1">
+            <a:schemeClr val="dk1"/>
+          </a:effectRef>
+          <a:fontRef idx="minor">
+            <a:schemeClr val="tx1"/>
+          </a:fontRef>
+        </p:style>
+      </p:cxnSp>
+      <p:cxnSp>
+        <p:nvCxnSpPr>
+          <p:cNvPr id="10" name="Straight Arrow Connector 9">
+            <a:extLst>
+              <a:ext uri="{FF2B5EF4-FFF2-40B4-BE49-F238E27FC236}">
+                <a16:creationId xmlns:a16="http://schemas.microsoft.com/office/drawing/2014/main" id="{D9C830A9-C7D7-4890-8B70-8BE818744678}"/>
+              </a:ext>
+            </a:extLst>
+          </p:cNvPr>
+          <p:cNvCxnSpPr>
+            <a:cxnSpLocks/>
+          </p:cNvCxnSpPr>
+          <p:nvPr/>
+        </p:nvCxnSpPr>
+        <p:spPr>
+          <a:xfrm>
+            <a:off x="5101270" y="4683203"/>
+            <a:ext cx="712524" cy="0"/>
+          </a:xfrm>
+          <a:prstGeom prst="straightConnector1">
+            <a:avLst/>
+          </a:prstGeom>
+          <a:ln>
+            <a:tailEnd type="triangle"/>
+          </a:ln>
+        </p:spPr>
+        <p:style>
+          <a:lnRef idx="2">
+            <a:schemeClr val="dk1"/>
+          </a:lnRef>
+          <a:fillRef idx="0">
+            <a:schemeClr val="dk1"/>
+          </a:fillRef>
+          <a:effectRef idx="1">
+            <a:schemeClr val="dk1"/>
+          </a:effectRef>
+          <a:fontRef idx="minor">
+            <a:schemeClr val="tx1"/>
+          </a:fontRef>
+        </p:style>
+      </p:cxnSp>
     </p:spTree>
     <p:extLst>
       <p:ext uri="{BB962C8B-B14F-4D97-AF65-F5344CB8AC3E}">
@@ -5765,7 +5916,7 @@
               <a:rPr lang="en-US" sz="3200" dirty="0">
                 <a:latin typeface="LMSans10-Bold"/>
               </a:rPr>
-              <a:t>Bivariate B-splines</a:t>
+              <a:t>Multivariate B-splines</a:t>
             </a:r>
             <a:endParaRPr lang="en-US" sz="3200" dirty="0"/>
           </a:p>
@@ -6463,7 +6614,7 @@
         </p:blipFill>
         <p:spPr>
           <a:xfrm>
-            <a:off x="1852404" y="2416753"/>
+            <a:off x="3933824" y="2648095"/>
             <a:ext cx="2433846" cy="462684"/>
           </a:xfrm>
           <a:prstGeom prst="rect">
@@ -7815,6 +7966,36 @@
           </a:prstGeom>
         </p:spPr>
       </p:pic>
+      <p:pic>
+        <p:nvPicPr>
+          <p:cNvPr id="4" name="Picture 3" descr="A close up of a logo&#10;&#10;Description automatically generated">
+            <a:extLst>
+              <a:ext uri="{FF2B5EF4-FFF2-40B4-BE49-F238E27FC236}">
+                <a16:creationId xmlns:a16="http://schemas.microsoft.com/office/drawing/2014/main" id="{B0662A14-4BF0-4D6E-A621-E0AA3E68C2C3}"/>
+              </a:ext>
+            </a:extLst>
+          </p:cNvPr>
+          <p:cNvPicPr>
+            <a:picLocks noChangeAspect="1"/>
+          </p:cNvPicPr>
+          <p:nvPr/>
+        </p:nvPicPr>
+        <p:blipFill>
+          <a:blip r:embed="rId5"/>
+          <a:stretch>
+            <a:fillRect/>
+          </a:stretch>
+        </p:blipFill>
+        <p:spPr>
+          <a:xfrm>
+            <a:off x="3056410" y="3272747"/>
+            <a:ext cx="159425" cy="158495"/>
+          </a:xfrm>
+          <a:prstGeom prst="rect">
+            <a:avLst/>
+          </a:prstGeom>
+        </p:spPr>
+      </p:pic>
     </p:spTree>
     <p:extLst>
       <p:ext uri="{BB962C8B-B14F-4D97-AF65-F5344CB8AC3E}">
@@ -8611,7 +8792,7 @@
         </p:blipFill>
         <p:spPr>
           <a:xfrm>
-            <a:off x="2287704" y="3460057"/>
+            <a:off x="3121421" y="3460057"/>
             <a:ext cx="3667637" cy="1089294"/>
           </a:xfrm>
           <a:prstGeom prst="rect">
@@ -8709,6 +8890,96 @@
           </a:prstGeom>
         </p:spPr>
       </p:pic>
+      <p:pic>
+        <p:nvPicPr>
+          <p:cNvPr id="3" name="Picture 2">
+            <a:extLst>
+              <a:ext uri="{FF2B5EF4-FFF2-40B4-BE49-F238E27FC236}">
+                <a16:creationId xmlns:a16="http://schemas.microsoft.com/office/drawing/2014/main" id="{406168A9-3ECB-4D5D-9C1F-C1378B3C5496}"/>
+              </a:ext>
+            </a:extLst>
+          </p:cNvPr>
+          <p:cNvPicPr>
+            <a:picLocks noChangeAspect="1"/>
+          </p:cNvPicPr>
+          <p:nvPr/>
+        </p:nvPicPr>
+        <p:blipFill>
+          <a:blip r:embed="rId7"/>
+          <a:stretch>
+            <a:fillRect/>
+          </a:stretch>
+        </p:blipFill>
+        <p:spPr>
+          <a:xfrm>
+            <a:off x="6449935" y="4009055"/>
+            <a:ext cx="230265" cy="224716"/>
+          </a:xfrm>
+          <a:prstGeom prst="rect">
+            <a:avLst/>
+          </a:prstGeom>
+        </p:spPr>
+      </p:pic>
+      <p:pic>
+        <p:nvPicPr>
+          <p:cNvPr id="4" name="Picture 3">
+            <a:extLst>
+              <a:ext uri="{FF2B5EF4-FFF2-40B4-BE49-F238E27FC236}">
+                <a16:creationId xmlns:a16="http://schemas.microsoft.com/office/drawing/2014/main" id="{67D93215-66BF-44E4-BE0D-866B8AC6B587}"/>
+              </a:ext>
+            </a:extLst>
+          </p:cNvPr>
+          <p:cNvPicPr>
+            <a:picLocks noChangeAspect="1"/>
+          </p:cNvPicPr>
+          <p:nvPr/>
+        </p:nvPicPr>
+        <p:blipFill>
+          <a:blip r:embed="rId8"/>
+          <a:stretch>
+            <a:fillRect/>
+          </a:stretch>
+        </p:blipFill>
+        <p:spPr>
+          <a:xfrm>
+            <a:off x="3702050" y="3993122"/>
+            <a:ext cx="218643" cy="224716"/>
+          </a:xfrm>
+          <a:prstGeom prst="rect">
+            <a:avLst/>
+          </a:prstGeom>
+        </p:spPr>
+      </p:pic>
+      <p:pic>
+        <p:nvPicPr>
+          <p:cNvPr id="5" name="Picture 4">
+            <a:extLst>
+              <a:ext uri="{FF2B5EF4-FFF2-40B4-BE49-F238E27FC236}">
+                <a16:creationId xmlns:a16="http://schemas.microsoft.com/office/drawing/2014/main" id="{D0805AE4-ABE9-48F1-BEAE-235799DB2EB5}"/>
+              </a:ext>
+            </a:extLst>
+          </p:cNvPr>
+          <p:cNvPicPr>
+            <a:picLocks noChangeAspect="1"/>
+          </p:cNvPicPr>
+          <p:nvPr/>
+        </p:nvPicPr>
+        <p:blipFill>
+          <a:blip r:embed="rId9"/>
+          <a:stretch>
+            <a:fillRect/>
+          </a:stretch>
+        </p:blipFill>
+        <p:spPr>
+          <a:xfrm>
+            <a:off x="4501322" y="4007666"/>
+            <a:ext cx="210172" cy="210172"/>
+          </a:xfrm>
+          <a:prstGeom prst="rect">
+            <a:avLst/>
+          </a:prstGeom>
+        </p:spPr>
+      </p:pic>
     </p:spTree>
     <p:extLst>
       <p:ext uri="{BB962C8B-B14F-4D97-AF65-F5344CB8AC3E}">
@@ -9473,8 +9744,11 @@
           <a:p>
             <a:r>
               <a:rPr lang="en-US" sz="1600" dirty="0"/>
-              <a:t>Tensor product</a:t>
-            </a:r>
+              <a:t>Tensor product: generalization of outer product</a:t>
+            </a:r>
+          </a:p>
+          <a:p>
+            <a:endParaRPr lang="en-US" sz="1600" dirty="0"/>
           </a:p>
           <a:p>
             <a:endParaRPr lang="en-US" sz="1600" b="1" dirty="0"/>
@@ -9486,10 +9760,10 @@
       </p:sp>
       <p:pic>
         <p:nvPicPr>
-          <p:cNvPr id="12" name="Picture 11" descr="A close up of a light&#10;&#10;Description automatically generated">
+          <p:cNvPr id="11" name="Picture 10">
             <a:extLst>
               <a:ext uri="{FF2B5EF4-FFF2-40B4-BE49-F238E27FC236}">
-                <a16:creationId xmlns:a16="http://schemas.microsoft.com/office/drawing/2014/main" id="{468F32D7-8054-410C-870C-D2DA51FF78EE}"/>
+                <a16:creationId xmlns:a16="http://schemas.microsoft.com/office/drawing/2014/main" id="{3010E0CF-3D35-423D-9EAB-BF06301CD75A}"/>
               </a:ext>
             </a:extLst>
           </p:cNvPr>
@@ -9498,15 +9772,46 @@
           </p:cNvPicPr>
           <p:nvPr/>
         </p:nvPicPr>
-        <p:blipFill rotWithShape="1">
+        <p:blipFill>
           <a:blip r:embed="rId3"/>
-          <a:srcRect l="8992" t="49236" r="-2291" b="-5117"/>
-          <a:stretch/>
+          <a:stretch>
+            <a:fillRect/>
+          </a:stretch>
         </p:blipFill>
         <p:spPr>
           <a:xfrm>
-            <a:off x="3058428" y="2200115"/>
-            <a:ext cx="4021945" cy="1477656"/>
+            <a:off x="3558178" y="3452929"/>
+            <a:ext cx="4021946" cy="1321176"/>
+          </a:xfrm>
+          <a:prstGeom prst="rect">
+            <a:avLst/>
+          </a:prstGeom>
+        </p:spPr>
+      </p:pic>
+      <p:pic>
+        <p:nvPicPr>
+          <p:cNvPr id="4" name="Picture 3" descr="A close up of a clock&#10;&#10;Description automatically generated">
+            <a:extLst>
+              <a:ext uri="{FF2B5EF4-FFF2-40B4-BE49-F238E27FC236}">
+                <a16:creationId xmlns:a16="http://schemas.microsoft.com/office/drawing/2014/main" id="{F2DF3595-E188-4F13-887E-6D4F5A240E7C}"/>
+              </a:ext>
+            </a:extLst>
+          </p:cNvPr>
+          <p:cNvPicPr>
+            <a:picLocks noChangeAspect="1"/>
+          </p:cNvPicPr>
+          <p:nvPr/>
+        </p:nvPicPr>
+        <p:blipFill>
+          <a:blip r:embed="rId4"/>
+          <a:stretch>
+            <a:fillRect/>
+          </a:stretch>
+        </p:blipFill>
+        <p:spPr>
+          <a:xfrm>
+            <a:off x="2485089" y="1984184"/>
+            <a:ext cx="5899163" cy="1175132"/>
           </a:xfrm>
           <a:prstGeom prst="rect">
             <a:avLst/>
@@ -9575,7 +9880,7 @@
               <a:rPr lang="en-US" sz="3200" dirty="0">
                 <a:latin typeface="LMSans10-Bold"/>
               </a:rPr>
-              <a:t>Tensor decompositions</a:t>
+              <a:t>Tensor decompositions </a:t>
             </a:r>
             <a:endParaRPr lang="en-US" sz="3200" dirty="0"/>
           </a:p>
@@ -10273,12 +10578,6 @@
               <a:buNone/>
             </a:pPr>
             <a:endParaRPr lang="en-US" sz="1600" b="1" i="1" baseline="-25000" dirty="0"/>
-          </a:p>
-          <a:p>
-            <a:r>
-              <a:rPr lang="en-US" sz="1600" dirty="0"/>
-              <a:t>Truncated SVD</a:t>
-            </a:r>
           </a:p>
           <a:p>
             <a:endParaRPr lang="en-US" sz="1600" b="1" dirty="0"/>
@@ -10310,8 +10609,282 @@
         </p:blipFill>
         <p:spPr>
           <a:xfrm>
-            <a:off x="4195482" y="1028277"/>
-            <a:ext cx="4642338" cy="1529241"/>
+            <a:off x="2576275" y="1585881"/>
+            <a:ext cx="5493306" cy="1809560"/>
+          </a:xfrm>
+          <a:prstGeom prst="rect">
+            <a:avLst/>
+          </a:prstGeom>
+        </p:spPr>
+      </p:pic>
+      <p:pic>
+        <p:nvPicPr>
+          <p:cNvPr id="5" name="Picture 4" descr="A picture containing drawing&#10;&#10;Description automatically generated">
+            <a:extLst>
+              <a:ext uri="{FF2B5EF4-FFF2-40B4-BE49-F238E27FC236}">
+                <a16:creationId xmlns:a16="http://schemas.microsoft.com/office/drawing/2014/main" id="{E466071B-618C-43FF-A4F4-4D9415CB36AB}"/>
+              </a:ext>
+            </a:extLst>
+          </p:cNvPr>
+          <p:cNvPicPr>
+            <a:picLocks noChangeAspect="1"/>
+          </p:cNvPicPr>
+          <p:nvPr/>
+        </p:nvPicPr>
+        <p:blipFill>
+          <a:blip r:embed="rId4"/>
+          <a:stretch>
+            <a:fillRect/>
+          </a:stretch>
+        </p:blipFill>
+        <p:spPr>
+          <a:xfrm>
+            <a:off x="2495480" y="3761707"/>
+            <a:ext cx="4688563" cy="1311966"/>
+          </a:xfrm>
+          <a:prstGeom prst="rect">
+            <a:avLst/>
+          </a:prstGeom>
+        </p:spPr>
+      </p:pic>
+      <p:sp>
+        <p:nvSpPr>
+          <p:cNvPr id="6" name="Rectangle 5">
+            <a:extLst>
+              <a:ext uri="{FF2B5EF4-FFF2-40B4-BE49-F238E27FC236}">
+                <a16:creationId xmlns:a16="http://schemas.microsoft.com/office/drawing/2014/main" id="{1E0AE654-00C5-47C1-B26F-BC9C33016325}"/>
+              </a:ext>
+            </a:extLst>
+          </p:cNvPr>
+          <p:cNvSpPr/>
+          <p:nvPr/>
+        </p:nvSpPr>
+        <p:spPr>
+          <a:xfrm>
+            <a:off x="4205825" y="1093708"/>
+            <a:ext cx="1753429" cy="369332"/>
+          </a:xfrm>
+          <a:prstGeom prst="rect">
+            <a:avLst/>
+          </a:prstGeom>
+        </p:spPr>
+        <p:txBody>
+          <a:bodyPr wrap="square">
+            <a:spAutoFit/>
+          </a:bodyPr>
+          <a:lstStyle/>
+          <a:p>
+            <a:r>
+              <a:rPr lang="en-US" dirty="0"/>
+              <a:t>Truncated SVD</a:t>
+            </a:r>
+          </a:p>
+        </p:txBody>
+      </p:sp>
+      <p:pic>
+        <p:nvPicPr>
+          <p:cNvPr id="11" name="Picture 10">
+            <a:extLst>
+              <a:ext uri="{FF2B5EF4-FFF2-40B4-BE49-F238E27FC236}">
+                <a16:creationId xmlns:a16="http://schemas.microsoft.com/office/drawing/2014/main" id="{AC4AB670-A094-46BF-B86F-7845EF4AD166}"/>
+              </a:ext>
+            </a:extLst>
+          </p:cNvPr>
+          <p:cNvPicPr>
+            <a:picLocks noChangeAspect="1"/>
+          </p:cNvPicPr>
+          <p:nvPr/>
+        </p:nvPicPr>
+        <p:blipFill>
+          <a:blip r:embed="rId5"/>
+          <a:stretch>
+            <a:fillRect/>
+          </a:stretch>
+        </p:blipFill>
+        <p:spPr>
+          <a:xfrm>
+            <a:off x="4349523" y="1519623"/>
+            <a:ext cx="222477" cy="259557"/>
+          </a:xfrm>
+          <a:prstGeom prst="rect">
+            <a:avLst/>
+          </a:prstGeom>
+        </p:spPr>
+      </p:pic>
+      <p:pic>
+        <p:nvPicPr>
+          <p:cNvPr id="13" name="Picture 12">
+            <a:extLst>
+              <a:ext uri="{FF2B5EF4-FFF2-40B4-BE49-F238E27FC236}">
+                <a16:creationId xmlns:a16="http://schemas.microsoft.com/office/drawing/2014/main" id="{DCE197D8-05BF-4D67-ACE0-136AFF2DAEF2}"/>
+              </a:ext>
+            </a:extLst>
+          </p:cNvPr>
+          <p:cNvPicPr>
+            <a:picLocks noChangeAspect="1"/>
+          </p:cNvPicPr>
+          <p:nvPr/>
+        </p:nvPicPr>
+        <p:blipFill>
+          <a:blip r:embed="rId5"/>
+          <a:stretch>
+            <a:fillRect/>
+          </a:stretch>
+        </p:blipFill>
+        <p:spPr>
+          <a:xfrm>
+            <a:off x="5401949" y="1519623"/>
+            <a:ext cx="222477" cy="259557"/>
+          </a:xfrm>
+          <a:prstGeom prst="rect">
+            <a:avLst/>
+          </a:prstGeom>
+        </p:spPr>
+      </p:pic>
+      <p:pic>
+        <p:nvPicPr>
+          <p:cNvPr id="14" name="Picture 13">
+            <a:extLst>
+              <a:ext uri="{FF2B5EF4-FFF2-40B4-BE49-F238E27FC236}">
+                <a16:creationId xmlns:a16="http://schemas.microsoft.com/office/drawing/2014/main" id="{CF68C828-FD9B-40A8-8E12-87E19B44A50B}"/>
+              </a:ext>
+            </a:extLst>
+          </p:cNvPr>
+          <p:cNvPicPr>
+            <a:picLocks noChangeAspect="1"/>
+          </p:cNvPicPr>
+          <p:nvPr/>
+        </p:nvPicPr>
+        <p:blipFill>
+          <a:blip r:embed="rId5"/>
+          <a:stretch>
+            <a:fillRect/>
+          </a:stretch>
+        </p:blipFill>
+        <p:spPr>
+          <a:xfrm>
+            <a:off x="7923304" y="2312193"/>
+            <a:ext cx="222477" cy="259557"/>
+          </a:xfrm>
+          <a:prstGeom prst="rect">
+            <a:avLst/>
+          </a:prstGeom>
+        </p:spPr>
+      </p:pic>
+      <p:pic>
+        <p:nvPicPr>
+          <p:cNvPr id="15" name="Picture 14">
+            <a:extLst>
+              <a:ext uri="{FF2B5EF4-FFF2-40B4-BE49-F238E27FC236}">
+                <a16:creationId xmlns:a16="http://schemas.microsoft.com/office/drawing/2014/main" id="{0AF78BA4-280F-4F81-9590-CB24831130EA}"/>
+              </a:ext>
+            </a:extLst>
+          </p:cNvPr>
+          <p:cNvPicPr>
+            <a:picLocks noChangeAspect="1"/>
+          </p:cNvPicPr>
+          <p:nvPr/>
+        </p:nvPicPr>
+        <p:blipFill>
+          <a:blip r:embed="rId6"/>
+          <a:stretch>
+            <a:fillRect/>
+          </a:stretch>
+        </p:blipFill>
+        <p:spPr>
+          <a:xfrm>
+            <a:off x="5067066" y="4302944"/>
+            <a:ext cx="249272" cy="246407"/>
+          </a:xfrm>
+          <a:prstGeom prst="rect">
+            <a:avLst/>
+          </a:prstGeom>
+        </p:spPr>
+      </p:pic>
+      <p:pic>
+        <p:nvPicPr>
+          <p:cNvPr id="16" name="Picture 15">
+            <a:extLst>
+              <a:ext uri="{FF2B5EF4-FFF2-40B4-BE49-F238E27FC236}">
+                <a16:creationId xmlns:a16="http://schemas.microsoft.com/office/drawing/2014/main" id="{949EA602-1905-443B-8FBB-D5D6059F9430}"/>
+              </a:ext>
+            </a:extLst>
+          </p:cNvPr>
+          <p:cNvPicPr>
+            <a:picLocks noChangeAspect="1"/>
+          </p:cNvPicPr>
+          <p:nvPr/>
+        </p:nvPicPr>
+        <p:blipFill>
+          <a:blip r:embed="rId7"/>
+          <a:stretch>
+            <a:fillRect/>
+          </a:stretch>
+        </p:blipFill>
+        <p:spPr>
+          <a:xfrm>
+            <a:off x="5962516" y="4305202"/>
+            <a:ext cx="191783" cy="224976"/>
+          </a:xfrm>
+          <a:prstGeom prst="rect">
+            <a:avLst/>
+          </a:prstGeom>
+        </p:spPr>
+      </p:pic>
+      <p:pic>
+        <p:nvPicPr>
+          <p:cNvPr id="17" name="Picture 16">
+            <a:extLst>
+              <a:ext uri="{FF2B5EF4-FFF2-40B4-BE49-F238E27FC236}">
+                <a16:creationId xmlns:a16="http://schemas.microsoft.com/office/drawing/2014/main" id="{AC0053D4-B71B-48E9-90D2-E5E83119A6B9}"/>
+              </a:ext>
+            </a:extLst>
+          </p:cNvPr>
+          <p:cNvPicPr>
+            <a:picLocks noChangeAspect="1"/>
+          </p:cNvPicPr>
+          <p:nvPr/>
+        </p:nvPicPr>
+        <p:blipFill>
+          <a:blip r:embed="rId8"/>
+          <a:stretch>
+            <a:fillRect/>
+          </a:stretch>
+        </p:blipFill>
+        <p:spPr>
+          <a:xfrm>
+            <a:off x="6869868" y="4305203"/>
+            <a:ext cx="194733" cy="217642"/>
+          </a:xfrm>
+          <a:prstGeom prst="rect">
+            <a:avLst/>
+          </a:prstGeom>
+        </p:spPr>
+      </p:pic>
+      <p:pic>
+        <p:nvPicPr>
+          <p:cNvPr id="18" name="Picture 17">
+            <a:extLst>
+              <a:ext uri="{FF2B5EF4-FFF2-40B4-BE49-F238E27FC236}">
+                <a16:creationId xmlns:a16="http://schemas.microsoft.com/office/drawing/2014/main" id="{747D5C46-3BEC-411C-A5FB-D70584563487}"/>
+              </a:ext>
+            </a:extLst>
+          </p:cNvPr>
+          <p:cNvPicPr>
+            <a:picLocks noChangeAspect="1"/>
+          </p:cNvPicPr>
+          <p:nvPr/>
+        </p:nvPicPr>
+        <p:blipFill>
+          <a:blip r:embed="rId9"/>
+          <a:stretch>
+            <a:fillRect/>
+          </a:stretch>
+        </p:blipFill>
+        <p:spPr>
+          <a:xfrm>
+            <a:off x="3072908" y="4327298"/>
+            <a:ext cx="252905" cy="190500"/>
           </a:xfrm>
           <a:prstGeom prst="rect">
             <a:avLst/>
@@ -12623,13 +13196,8 @@
             </a:r>
             <a:r>
               <a:rPr lang="nl-NL" sz="1600" dirty="0"/>
-              <a:t> </a:t>
-            </a:r>
-            <a:r>
-              <a:rPr lang="nl-NL" sz="1600" dirty="0" err="1"/>
-              <a:t>networks</a:t>
-            </a:r>
-            <a:endParaRPr lang="nl-NL" sz="1600" dirty="0"/>
+              <a:t> Networks</a:t>
+            </a:r>
           </a:p>
           <a:p>
             <a:pPr lvl="1"/>
